--- a/sorting.pptx
+++ b/sorting.pptx
@@ -9,6 +9,8 @@
     <p:sldId id="257" r:id="rId3"/>
     <p:sldId id="258" r:id="rId4"/>
     <p:sldId id="259" r:id="rId5"/>
+    <p:sldId id="260" r:id="rId6"/>
+    <p:sldId id="261" r:id="rId7"/>
   </p:sldIdLst>
   <p:sldSz cx="12192000" cy="6858000"/>
   <p:notesSz cx="6858000" cy="9144000"/>
@@ -107,6 +109,11 @@
       </a:defRPr>
     </a:lvl9pPr>
   </p:defaultTextStyle>
+  <p:extLst>
+    <p:ext uri="{EFAFB233-063F-42B5-8137-9DF3F51BA10A}">
+      <p15:sldGuideLst xmlns:p15="http://schemas.microsoft.com/office/powerpoint/2012/main"/>
+    </p:ext>
+  </p:extLst>
 </p:presentation>
 </file>
 
@@ -241,7 +248,7 @@
           <a:p>
             <a:fld id="{0DCDC746-7A36-4DA8-8BC5-EE42A83F027E}" type="datetimeFigureOut">
               <a:rPr lang="en-US" smtClean="0"/>
-              <a:t>4/4/2023</a:t>
+              <a:t>4/5/2023</a:t>
             </a:fld>
             <a:endParaRPr lang="en-US"/>
           </a:p>
@@ -411,7 +418,7 @@
           <a:p>
             <a:fld id="{0DCDC746-7A36-4DA8-8BC5-EE42A83F027E}" type="datetimeFigureOut">
               <a:rPr lang="en-US" smtClean="0"/>
-              <a:t>4/4/2023</a:t>
+              <a:t>4/5/2023</a:t>
             </a:fld>
             <a:endParaRPr lang="en-US"/>
           </a:p>
@@ -591,7 +598,7 @@
           <a:p>
             <a:fld id="{0DCDC746-7A36-4DA8-8BC5-EE42A83F027E}" type="datetimeFigureOut">
               <a:rPr lang="en-US" smtClean="0"/>
-              <a:t>4/4/2023</a:t>
+              <a:t>4/5/2023</a:t>
             </a:fld>
             <a:endParaRPr lang="en-US"/>
           </a:p>
@@ -761,7 +768,7 @@
           <a:p>
             <a:fld id="{0DCDC746-7A36-4DA8-8BC5-EE42A83F027E}" type="datetimeFigureOut">
               <a:rPr lang="en-US" smtClean="0"/>
-              <a:t>4/4/2023</a:t>
+              <a:t>4/5/2023</a:t>
             </a:fld>
             <a:endParaRPr lang="en-US"/>
           </a:p>
@@ -1007,7 +1014,7 @@
           <a:p>
             <a:fld id="{0DCDC746-7A36-4DA8-8BC5-EE42A83F027E}" type="datetimeFigureOut">
               <a:rPr lang="en-US" smtClean="0"/>
-              <a:t>4/4/2023</a:t>
+              <a:t>4/5/2023</a:t>
             </a:fld>
             <a:endParaRPr lang="en-US"/>
           </a:p>
@@ -1239,7 +1246,7 @@
           <a:p>
             <a:fld id="{0DCDC746-7A36-4DA8-8BC5-EE42A83F027E}" type="datetimeFigureOut">
               <a:rPr lang="en-US" smtClean="0"/>
-              <a:t>4/4/2023</a:t>
+              <a:t>4/5/2023</a:t>
             </a:fld>
             <a:endParaRPr lang="en-US"/>
           </a:p>
@@ -1606,7 +1613,7 @@
           <a:p>
             <a:fld id="{0DCDC746-7A36-4DA8-8BC5-EE42A83F027E}" type="datetimeFigureOut">
               <a:rPr lang="en-US" smtClean="0"/>
-              <a:t>4/4/2023</a:t>
+              <a:t>4/5/2023</a:t>
             </a:fld>
             <a:endParaRPr lang="en-US"/>
           </a:p>
@@ -1724,7 +1731,7 @@
           <a:p>
             <a:fld id="{0DCDC746-7A36-4DA8-8BC5-EE42A83F027E}" type="datetimeFigureOut">
               <a:rPr lang="en-US" smtClean="0"/>
-              <a:t>4/4/2023</a:t>
+              <a:t>4/5/2023</a:t>
             </a:fld>
             <a:endParaRPr lang="en-US"/>
           </a:p>
@@ -1819,7 +1826,7 @@
           <a:p>
             <a:fld id="{0DCDC746-7A36-4DA8-8BC5-EE42A83F027E}" type="datetimeFigureOut">
               <a:rPr lang="en-US" smtClean="0"/>
-              <a:t>4/4/2023</a:t>
+              <a:t>4/5/2023</a:t>
             </a:fld>
             <a:endParaRPr lang="en-US"/>
           </a:p>
@@ -2096,7 +2103,7 @@
           <a:p>
             <a:fld id="{0DCDC746-7A36-4DA8-8BC5-EE42A83F027E}" type="datetimeFigureOut">
               <a:rPr lang="en-US" smtClean="0"/>
-              <a:t>4/4/2023</a:t>
+              <a:t>4/5/2023</a:t>
             </a:fld>
             <a:endParaRPr lang="en-US"/>
           </a:p>
@@ -2349,7 +2356,7 @@
           <a:p>
             <a:fld id="{0DCDC746-7A36-4DA8-8BC5-EE42A83F027E}" type="datetimeFigureOut">
               <a:rPr lang="en-US" smtClean="0"/>
-              <a:t>4/4/2023</a:t>
+              <a:t>4/5/2023</a:t>
             </a:fld>
             <a:endParaRPr lang="en-US"/>
           </a:p>
@@ -2562,7 +2569,7 @@
           <a:p>
             <a:fld id="{0DCDC746-7A36-4DA8-8BC5-EE42A83F027E}" type="datetimeFigureOut">
               <a:rPr lang="en-US" smtClean="0"/>
-              <a:t>4/4/2023</a:t>
+              <a:t>4/5/2023</a:t>
             </a:fld>
             <a:endParaRPr lang="en-US"/>
           </a:p>
@@ -3083,11 +3090,7 @@
             </a:r>
             <a:r>
               <a:rPr lang="en-US" i="1" dirty="0" smtClean="0"/>
-              <a:t>res</a:t>
-            </a:r>
-            <a:r>
-              <a:rPr lang="en-US" i="1" dirty="0" smtClean="0"/>
-              <a:t>pective data structure.</a:t>
+              <a:t>respective data structure.</a:t>
             </a:r>
             <a:endParaRPr lang="en-US" dirty="0" smtClean="0"/>
           </a:p>
@@ -3345,6 +3348,224 @@
     <p:extLst>
       <p:ext uri="{BB962C8B-B14F-4D97-AF65-F5344CB8AC3E}">
         <p14:creationId xmlns:p14="http://schemas.microsoft.com/office/powerpoint/2010/main" val="2954948126"/>
+      </p:ext>
+    </p:extLst>
+  </p:cSld>
+  <p:clrMapOvr>
+    <a:masterClrMapping/>
+  </p:clrMapOvr>
+</p:sld>
+</file>
+
+<file path=ppt/slides/slide5.xml><?xml version="1.0" encoding="utf-8"?>
+<p:sld xmlns:a="http://schemas.openxmlformats.org/drawingml/2006/main" xmlns:r="http://schemas.openxmlformats.org/officeDocument/2006/relationships" xmlns:p="http://schemas.openxmlformats.org/presentationml/2006/main">
+  <p:cSld>
+    <p:spTree>
+      <p:nvGrpSpPr>
+        <p:cNvPr id="1" name=""/>
+        <p:cNvGrpSpPr/>
+        <p:nvPr/>
+      </p:nvGrpSpPr>
+      <p:grpSpPr>
+        <a:xfrm>
+          <a:off x="0" y="0"/>
+          <a:ext cx="0" cy="0"/>
+          <a:chOff x="0" y="0"/>
+          <a:chExt cx="0" cy="0"/>
+        </a:xfrm>
+      </p:grpSpPr>
+      <p:sp>
+        <p:nvSpPr>
+          <p:cNvPr id="2" name="Title 1"/>
+          <p:cNvSpPr>
+            <a:spLocks noGrp="1"/>
+          </p:cNvSpPr>
+          <p:nvPr>
+            <p:ph type="title"/>
+          </p:nvPr>
+        </p:nvSpPr>
+        <p:spPr/>
+        <p:txBody>
+          <a:bodyPr/>
+          <a:lstStyle/>
+          <a:p>
+            <a:r>
+              <a:rPr lang="en-US" dirty="0" smtClean="0"/>
+              <a:t>Insertion sort</a:t>
+            </a:r>
+            <a:endParaRPr lang="en-US" dirty="0"/>
+          </a:p>
+        </p:txBody>
+      </p:sp>
+      <p:sp>
+        <p:nvSpPr>
+          <p:cNvPr id="3" name="Content Placeholder 2"/>
+          <p:cNvSpPr>
+            <a:spLocks noGrp="1"/>
+          </p:cNvSpPr>
+          <p:nvPr>
+            <p:ph idx="1"/>
+          </p:nvPr>
+        </p:nvSpPr>
+        <p:spPr/>
+        <p:txBody>
+          <a:bodyPr>
+            <a:normAutofit fontScale="70000" lnSpcReduction="20000"/>
+          </a:bodyPr>
+          <a:lstStyle/>
+          <a:p>
+            <a:endParaRPr lang="en-US" dirty="0" smtClean="0"/>
+          </a:p>
+          <a:p>
+            <a:r>
+              <a:rPr lang="en-US" dirty="0" smtClean="0"/>
+              <a:t>In insertion  we virtually split the array into a sorted and an  un sorted part.</a:t>
+            </a:r>
+          </a:p>
+          <a:p>
+            <a:r>
+              <a:rPr lang="en-US" dirty="0" smtClean="0"/>
+              <a:t> Assume that the first element is already sorted and remaining elements are unsorted</a:t>
+            </a:r>
+          </a:p>
+          <a:p>
+            <a:r>
+              <a:rPr lang="en-US" dirty="0" smtClean="0"/>
+              <a:t>Select an unsorted element and  compare with all elements in the  sorted part.</a:t>
+            </a:r>
+          </a:p>
+          <a:p>
+            <a:r>
+              <a:rPr lang="en-US" dirty="0" smtClean="0"/>
+              <a:t>If the element  in the  sorted part is smaller that the selected element , proceed to the next element in the  unsorted part. Else , shift larger elements in the sorted part towards the  right.</a:t>
+            </a:r>
+          </a:p>
+          <a:p>
+            <a:r>
+              <a:rPr lang="en-US" dirty="0" smtClean="0"/>
+              <a:t>Insert the selected element at the  right index. </a:t>
+            </a:r>
+          </a:p>
+          <a:p>
+            <a:r>
+              <a:rPr lang="en-US" dirty="0" smtClean="0"/>
+              <a:t>Repeat till all the un sorted  elements are placed in the right order</a:t>
+            </a:r>
+          </a:p>
+          <a:p>
+            <a:endParaRPr lang="en-US" dirty="0"/>
+          </a:p>
+          <a:p>
+            <a:r>
+              <a:rPr lang="en-US" dirty="0" smtClean="0"/>
+              <a:t>Problem </a:t>
+            </a:r>
+            <a:r>
+              <a:rPr lang="en-US" dirty="0"/>
+              <a:t>– Given an array of integers, sort the array</a:t>
+            </a:r>
+          </a:p>
+          <a:p>
+            <a:r>
+              <a:rPr lang="en-US" dirty="0" err="1"/>
+              <a:t>Const</a:t>
+            </a:r>
+            <a:r>
+              <a:rPr lang="en-US" dirty="0"/>
+              <a:t> </a:t>
+            </a:r>
+            <a:r>
+              <a:rPr lang="en-US" dirty="0" err="1"/>
+              <a:t>arr</a:t>
+            </a:r>
+            <a:r>
+              <a:rPr lang="en-US" dirty="0"/>
+              <a:t> = [ -6, 20, 8, -2, 4]</a:t>
+            </a:r>
+          </a:p>
+          <a:p>
+            <a:r>
+              <a:rPr lang="en-US" dirty="0" err="1" smtClean="0"/>
+              <a:t>instertionSort</a:t>
+            </a:r>
+            <a:r>
+              <a:rPr lang="en-US" dirty="0" smtClean="0"/>
+              <a:t>(</a:t>
+            </a:r>
+            <a:r>
+              <a:rPr lang="en-US" dirty="0" err="1" smtClean="0"/>
+              <a:t>arr</a:t>
+            </a:r>
+            <a:r>
+              <a:rPr lang="en-US" dirty="0"/>
+              <a:t>) =&gt; should return [-6, -2, 4, 8, 20]</a:t>
+            </a:r>
+          </a:p>
+          <a:p>
+            <a:endParaRPr lang="en-US" dirty="0"/>
+          </a:p>
+        </p:txBody>
+      </p:sp>
+    </p:spTree>
+    <p:extLst>
+      <p:ext uri="{BB962C8B-B14F-4D97-AF65-F5344CB8AC3E}">
+        <p14:creationId xmlns:p14="http://schemas.microsoft.com/office/powerpoint/2010/main" val="2621087933"/>
+      </p:ext>
+    </p:extLst>
+  </p:cSld>
+  <p:clrMapOvr>
+    <a:masterClrMapping/>
+  </p:clrMapOvr>
+</p:sld>
+</file>
+
+<file path=ppt/slides/slide6.xml><?xml version="1.0" encoding="utf-8"?>
+<p:sld xmlns:a="http://schemas.openxmlformats.org/drawingml/2006/main" xmlns:r="http://schemas.openxmlformats.org/officeDocument/2006/relationships" xmlns:p="http://schemas.openxmlformats.org/presentationml/2006/main">
+  <p:cSld>
+    <p:spTree>
+      <p:nvGrpSpPr>
+        <p:cNvPr id="1" name=""/>
+        <p:cNvGrpSpPr/>
+        <p:nvPr/>
+      </p:nvGrpSpPr>
+      <p:grpSpPr>
+        <a:xfrm>
+          <a:off x="0" y="0"/>
+          <a:ext cx="0" cy="0"/>
+          <a:chOff x="0" y="0"/>
+          <a:chExt cx="0" cy="0"/>
+        </a:xfrm>
+      </p:grpSpPr>
+      <p:pic>
+        <p:nvPicPr>
+          <p:cNvPr id="4" name="Content Placeholder 3"/>
+          <p:cNvPicPr>
+            <a:picLocks noGrp="1" noChangeAspect="1"/>
+          </p:cNvPicPr>
+          <p:nvPr>
+            <p:ph idx="1"/>
+          </p:nvPr>
+        </p:nvPicPr>
+        <p:blipFill>
+          <a:blip r:embed="rId2"/>
+          <a:stretch>
+            <a:fillRect/>
+          </a:stretch>
+        </p:blipFill>
+        <p:spPr>
+          <a:xfrm>
+            <a:off x="1126482" y="969820"/>
+            <a:ext cx="9981400" cy="4612192"/>
+          </a:xfrm>
+          <a:prstGeom prst="rect">
+            <a:avLst/>
+          </a:prstGeom>
+        </p:spPr>
+      </p:pic>
+    </p:spTree>
+    <p:extLst>
+      <p:ext uri="{BB962C8B-B14F-4D97-AF65-F5344CB8AC3E}">
+        <p14:creationId xmlns:p14="http://schemas.microsoft.com/office/powerpoint/2010/main" val="977677130"/>
       </p:ext>
     </p:extLst>
   </p:cSld>

--- a/sorting.pptx
+++ b/sorting.pptx
@@ -6,11 +6,14 @@
   </p:sldMasterIdLst>
   <p:sldIdLst>
     <p:sldId id="256" r:id="rId2"/>
-    <p:sldId id="257" r:id="rId3"/>
-    <p:sldId id="258" r:id="rId4"/>
-    <p:sldId id="259" r:id="rId5"/>
-    <p:sldId id="260" r:id="rId6"/>
-    <p:sldId id="261" r:id="rId7"/>
+    <p:sldId id="263" r:id="rId3"/>
+    <p:sldId id="257" r:id="rId4"/>
+    <p:sldId id="258" r:id="rId5"/>
+    <p:sldId id="259" r:id="rId6"/>
+    <p:sldId id="260" r:id="rId7"/>
+    <p:sldId id="261" r:id="rId8"/>
+    <p:sldId id="262" r:id="rId9"/>
+    <p:sldId id="264" r:id="rId10"/>
   </p:sldIdLst>
   <p:sldSz cx="12192000" cy="6858000"/>
   <p:notesSz cx="6858000" cy="9144000"/>
@@ -3061,90 +3064,71 @@
           <a:bodyPr/>
           <a:lstStyle/>
           <a:p>
+            <a:endParaRPr lang="en-US"/>
+          </a:p>
+        </p:txBody>
+      </p:sp>
+      <p:sp>
+        <p:nvSpPr>
+          <p:cNvPr id="3" name="Content Placeholder 2"/>
+          <p:cNvSpPr>
+            <a:spLocks noGrp="1"/>
+          </p:cNvSpPr>
+          <p:nvPr>
+            <p:ph idx="1"/>
+          </p:nvPr>
+        </p:nvSpPr>
+        <p:spPr/>
+        <p:txBody>
+          <a:bodyPr/>
+          <a:lstStyle/>
+          <a:p>
+            <a:r>
+              <a:rPr lang="en-US" dirty="0"/>
+              <a:t>Problem – Given an array of integers, sort the array</a:t>
+            </a:r>
+          </a:p>
+          <a:p>
+            <a:r>
+              <a:rPr lang="en-US" dirty="0" err="1"/>
+              <a:t>Const</a:t>
+            </a:r>
+            <a:r>
+              <a:rPr lang="en-US" dirty="0"/>
+              <a:t> </a:t>
+            </a:r>
+            <a:r>
+              <a:rPr lang="en-US" dirty="0" err="1"/>
+              <a:t>arr</a:t>
+            </a:r>
+            <a:r>
+              <a:rPr lang="en-US" dirty="0"/>
+              <a:t> = [ -6, 20, 8, -2, 4]</a:t>
+            </a:r>
+          </a:p>
+          <a:p>
             <a:r>
               <a:rPr lang="en-US" dirty="0" smtClean="0"/>
-              <a:t>Sorting Algorithm</a:t>
-            </a:r>
+              <a:t>Sort(</a:t>
+            </a:r>
+            <a:r>
+              <a:rPr lang="en-US" dirty="0" err="1" smtClean="0"/>
+              <a:t>arr</a:t>
+            </a:r>
+            <a:r>
+              <a:rPr lang="en-US" dirty="0"/>
+              <a:t>) =&gt; should return [-6, -2, 4, 8, 20]</a:t>
+            </a:r>
+          </a:p>
+          <a:p>
             <a:endParaRPr lang="en-US" dirty="0"/>
-          </a:p>
-        </p:txBody>
-      </p:sp>
-      <p:sp>
-        <p:nvSpPr>
-          <p:cNvPr id="3" name="Content Placeholder 2"/>
-          <p:cNvSpPr>
-            <a:spLocks noGrp="1"/>
-          </p:cNvSpPr>
-          <p:nvPr>
-            <p:ph idx="1"/>
-          </p:nvPr>
-        </p:nvSpPr>
-        <p:spPr/>
-        <p:txBody>
-          <a:bodyPr/>
-          <a:lstStyle/>
-          <a:p>
-            <a:r>
-              <a:rPr lang="en-US" i="1" dirty="0"/>
-              <a:t>A Sorting Algorithm is used to rearrange a given array or list of elements according to a comparison operator on the elements. The comparison operator is used to decide the new order of elements in the </a:t>
-            </a:r>
-            <a:r>
-              <a:rPr lang="en-US" i="1" dirty="0" smtClean="0"/>
-              <a:t>respective data structure.</a:t>
-            </a:r>
-            <a:endParaRPr lang="en-US" dirty="0" smtClean="0"/>
-          </a:p>
-          <a:p>
-            <a:pPr marL="0" indent="0">
-              <a:buNone/>
-            </a:pPr>
-            <a:endParaRPr lang="en-US" i="1" dirty="0" smtClean="0"/>
-          </a:p>
-          <a:p>
-            <a:pPr fontAlgn="base"/>
-            <a:r>
-              <a:rPr lang="fr-FR" dirty="0" err="1" smtClean="0"/>
-              <a:t>Bubble</a:t>
-            </a:r>
-            <a:r>
-              <a:rPr lang="fr-FR" dirty="0" smtClean="0"/>
-              <a:t> Sort</a:t>
-            </a:r>
-            <a:endParaRPr lang="fr-FR" dirty="0"/>
-          </a:p>
-          <a:p>
-            <a:pPr fontAlgn="base"/>
-            <a:r>
-              <a:rPr lang="fr-FR" dirty="0" smtClean="0"/>
-              <a:t>Insertion Sort</a:t>
-            </a:r>
-            <a:endParaRPr lang="fr-FR" dirty="0"/>
-          </a:p>
-          <a:p>
-            <a:pPr fontAlgn="base"/>
-            <a:r>
-              <a:rPr lang="fr-FR" dirty="0"/>
-              <a:t>Quick Sort</a:t>
-            </a:r>
-          </a:p>
-          <a:p>
-            <a:pPr fontAlgn="base"/>
-            <a:r>
-              <a:rPr lang="fr-FR" dirty="0" err="1" smtClean="0"/>
-              <a:t>Merge</a:t>
-            </a:r>
-            <a:r>
-              <a:rPr lang="fr-FR" dirty="0" smtClean="0"/>
-              <a:t> Sort</a:t>
-            </a:r>
-            <a:endParaRPr lang="fr-FR" dirty="0"/>
           </a:p>
         </p:txBody>
       </p:sp>
     </p:spTree>
     <p:extLst>
       <p:ext uri="{BB962C8B-B14F-4D97-AF65-F5344CB8AC3E}">
-        <p14:creationId xmlns:p14="http://schemas.microsoft.com/office/powerpoint/2010/main" val="3314144033"/>
+        <p14:creationId xmlns:p14="http://schemas.microsoft.com/office/powerpoint/2010/main" val="3012486052"/>
       </p:ext>
     </p:extLst>
   </p:cSld>
@@ -3188,6 +3172,131 @@
           <a:p>
             <a:r>
               <a:rPr lang="en-US" dirty="0" smtClean="0"/>
+              <a:t>Sorting Algorithm</a:t>
+            </a:r>
+            <a:endParaRPr lang="en-US" dirty="0"/>
+          </a:p>
+        </p:txBody>
+      </p:sp>
+      <p:sp>
+        <p:nvSpPr>
+          <p:cNvPr id="3" name="Content Placeholder 2"/>
+          <p:cNvSpPr>
+            <a:spLocks noGrp="1"/>
+          </p:cNvSpPr>
+          <p:nvPr>
+            <p:ph idx="1"/>
+          </p:nvPr>
+        </p:nvSpPr>
+        <p:spPr/>
+        <p:txBody>
+          <a:bodyPr/>
+          <a:lstStyle/>
+          <a:p>
+            <a:r>
+              <a:rPr lang="en-US" i="1" dirty="0"/>
+              <a:t>A Sorting Algorithm is used to rearrange a given array or list of elements according to a comparison operator on the elements. The comparison operator is used to decide the new order of elements in the </a:t>
+            </a:r>
+            <a:r>
+              <a:rPr lang="en-US" i="1" dirty="0" smtClean="0"/>
+              <a:t>respective data structure.</a:t>
+            </a:r>
+            <a:endParaRPr lang="en-US" dirty="0" smtClean="0"/>
+          </a:p>
+          <a:p>
+            <a:pPr marL="0" indent="0">
+              <a:buNone/>
+            </a:pPr>
+            <a:endParaRPr lang="en-US" i="1" dirty="0" smtClean="0"/>
+          </a:p>
+          <a:p>
+            <a:pPr fontAlgn="base"/>
+            <a:r>
+              <a:rPr lang="fr-FR" dirty="0" err="1" smtClean="0"/>
+              <a:t>Bubble</a:t>
+            </a:r>
+            <a:r>
+              <a:rPr lang="fr-FR" dirty="0" smtClean="0"/>
+              <a:t> Sort</a:t>
+            </a:r>
+            <a:endParaRPr lang="fr-FR" dirty="0"/>
+          </a:p>
+          <a:p>
+            <a:pPr fontAlgn="base"/>
+            <a:r>
+              <a:rPr lang="fr-FR" dirty="0" smtClean="0"/>
+              <a:t>Insertion Sort</a:t>
+            </a:r>
+            <a:endParaRPr lang="fr-FR" dirty="0"/>
+          </a:p>
+          <a:p>
+            <a:pPr fontAlgn="base"/>
+            <a:r>
+              <a:rPr lang="fr-FR" dirty="0"/>
+              <a:t>Quick Sort</a:t>
+            </a:r>
+          </a:p>
+          <a:p>
+            <a:pPr fontAlgn="base"/>
+            <a:r>
+              <a:rPr lang="fr-FR" dirty="0" err="1" smtClean="0"/>
+              <a:t>Merge</a:t>
+            </a:r>
+            <a:r>
+              <a:rPr lang="fr-FR" dirty="0" smtClean="0"/>
+              <a:t> Sort</a:t>
+            </a:r>
+            <a:endParaRPr lang="fr-FR" dirty="0"/>
+          </a:p>
+        </p:txBody>
+      </p:sp>
+    </p:spTree>
+    <p:extLst>
+      <p:ext uri="{BB962C8B-B14F-4D97-AF65-F5344CB8AC3E}">
+        <p14:creationId xmlns:p14="http://schemas.microsoft.com/office/powerpoint/2010/main" val="3314144033"/>
+      </p:ext>
+    </p:extLst>
+  </p:cSld>
+  <p:clrMapOvr>
+    <a:masterClrMapping/>
+  </p:clrMapOvr>
+</p:sld>
+</file>
+
+<file path=ppt/slides/slide4.xml><?xml version="1.0" encoding="utf-8"?>
+<p:sld xmlns:a="http://schemas.openxmlformats.org/drawingml/2006/main" xmlns:r="http://schemas.openxmlformats.org/officeDocument/2006/relationships" xmlns:p="http://schemas.openxmlformats.org/presentationml/2006/main">
+  <p:cSld>
+    <p:spTree>
+      <p:nvGrpSpPr>
+        <p:cNvPr id="1" name=""/>
+        <p:cNvGrpSpPr/>
+        <p:nvPr/>
+      </p:nvGrpSpPr>
+      <p:grpSpPr>
+        <a:xfrm>
+          <a:off x="0" y="0"/>
+          <a:ext cx="0" cy="0"/>
+          <a:chOff x="0" y="0"/>
+          <a:chExt cx="0" cy="0"/>
+        </a:xfrm>
+      </p:grpSpPr>
+      <p:sp>
+        <p:nvSpPr>
+          <p:cNvPr id="2" name="Title 1"/>
+          <p:cNvSpPr>
+            <a:spLocks noGrp="1"/>
+          </p:cNvSpPr>
+          <p:nvPr>
+            <p:ph type="title"/>
+          </p:nvPr>
+        </p:nvSpPr>
+        <p:spPr/>
+        <p:txBody>
+          <a:bodyPr/>
+          <a:lstStyle/>
+          <a:p>
+            <a:r>
+              <a:rPr lang="en-US" dirty="0" smtClean="0"/>
               <a:t>Bubble Sort</a:t>
             </a:r>
             <a:endParaRPr lang="en-US" dirty="0"/>
@@ -3223,51 +3332,13 @@
           <a:p>
             <a:r>
               <a:rPr lang="en-US" dirty="0" smtClean="0"/>
-              <a:t>Once you step through the whole array with no swaps, the array  is sorted.</a:t>
-            </a:r>
-          </a:p>
-          <a:p>
+              <a:t>Once you step through the whole array with no swaps, the array  is sorted</a:t>
+            </a:r>
             <a:r>
               <a:rPr lang="en-US" dirty="0" smtClean="0"/>
-              <a:t>Problem – Given an array of integers, sort the array</a:t>
-            </a:r>
-          </a:p>
-          <a:p>
-            <a:r>
-              <a:rPr lang="en-US" dirty="0" err="1" smtClean="0"/>
-              <a:t>Const</a:t>
-            </a:r>
-            <a:r>
-              <a:rPr lang="en-US" dirty="0" smtClean="0"/>
-              <a:t> </a:t>
-            </a:r>
-            <a:r>
-              <a:rPr lang="en-US" dirty="0" err="1" smtClean="0"/>
-              <a:t>arr</a:t>
-            </a:r>
-            <a:r>
-              <a:rPr lang="en-US" dirty="0" smtClean="0"/>
-              <a:t> = [ -6, 20, 8, -2, 4]</a:t>
-            </a:r>
-          </a:p>
-          <a:p>
-            <a:r>
-              <a:rPr lang="en-US" dirty="0" err="1" smtClean="0"/>
-              <a:t>bubbleSort</a:t>
-            </a:r>
-            <a:r>
-              <a:rPr lang="en-US" dirty="0" smtClean="0"/>
-              <a:t>(</a:t>
-            </a:r>
-            <a:r>
-              <a:rPr lang="en-US" dirty="0" err="1" smtClean="0"/>
-              <a:t>arr</a:t>
-            </a:r>
-            <a:r>
-              <a:rPr lang="en-US" dirty="0" smtClean="0"/>
-              <a:t>) =&gt; should return [-6, -2, 4, 8, 20]</a:t>
-            </a:r>
-            <a:endParaRPr lang="en-US" dirty="0"/>
+              <a:t>.</a:t>
+            </a:r>
+            <a:endParaRPr lang="en-US" dirty="0" smtClean="0"/>
           </a:p>
         </p:txBody>
       </p:sp>
@@ -3284,7 +3355,7 @@
 </p:sld>
 </file>
 
-<file path=ppt/slides/slide4.xml><?xml version="1.0" encoding="utf-8"?>
+<file path=ppt/slides/slide5.xml><?xml version="1.0" encoding="utf-8"?>
 <p:sld xmlns:a="http://schemas.openxmlformats.org/drawingml/2006/main" xmlns:r="http://schemas.openxmlformats.org/officeDocument/2006/relationships" xmlns:p="http://schemas.openxmlformats.org/presentationml/2006/main">
   <p:cSld>
     <p:spTree>
@@ -3357,7 +3428,7 @@
 </p:sld>
 </file>
 
-<file path=ppt/slides/slide5.xml><?xml version="1.0" encoding="utf-8"?>
+<file path=ppt/slides/slide6.xml><?xml version="1.0" encoding="utf-8"?>
 <p:sld xmlns:a="http://schemas.openxmlformats.org/drawingml/2006/main" xmlns:r="http://schemas.openxmlformats.org/officeDocument/2006/relationships" xmlns:p="http://schemas.openxmlformats.org/presentationml/2006/main">
   <p:cSld>
     <p:spTree>
@@ -3410,7 +3481,7 @@
         <p:spPr/>
         <p:txBody>
           <a:bodyPr>
-            <a:normAutofit fontScale="70000" lnSpcReduction="20000"/>
+            <a:normAutofit fontScale="92500" lnSpcReduction="10000"/>
           </a:bodyPr>
           <a:lstStyle/>
           <a:p>
@@ -3454,52 +3525,6 @@
           </a:p>
           <a:p>
             <a:endParaRPr lang="en-US" dirty="0"/>
-          </a:p>
-          <a:p>
-            <a:r>
-              <a:rPr lang="en-US" dirty="0" smtClean="0"/>
-              <a:t>Problem </a:t>
-            </a:r>
-            <a:r>
-              <a:rPr lang="en-US" dirty="0"/>
-              <a:t>– Given an array of integers, sort the array</a:t>
-            </a:r>
-          </a:p>
-          <a:p>
-            <a:r>
-              <a:rPr lang="en-US" dirty="0" err="1"/>
-              <a:t>Const</a:t>
-            </a:r>
-            <a:r>
-              <a:rPr lang="en-US" dirty="0"/>
-              <a:t> </a:t>
-            </a:r>
-            <a:r>
-              <a:rPr lang="en-US" dirty="0" err="1"/>
-              <a:t>arr</a:t>
-            </a:r>
-            <a:r>
-              <a:rPr lang="en-US" dirty="0"/>
-              <a:t> = [ -6, 20, 8, -2, 4]</a:t>
-            </a:r>
-          </a:p>
-          <a:p>
-            <a:r>
-              <a:rPr lang="en-US" dirty="0" err="1" smtClean="0"/>
-              <a:t>instertionSort</a:t>
-            </a:r>
-            <a:r>
-              <a:rPr lang="en-US" dirty="0" smtClean="0"/>
-              <a:t>(</a:t>
-            </a:r>
-            <a:r>
-              <a:rPr lang="en-US" dirty="0" err="1" smtClean="0"/>
-              <a:t>arr</a:t>
-            </a:r>
-            <a:r>
-              <a:rPr lang="en-US" dirty="0"/>
-              <a:t>) =&gt; should return [-6, -2, 4, 8, 20]</a:t>
-            </a:r>
           </a:p>
           <a:p>
             <a:endParaRPr lang="en-US" dirty="0"/>
@@ -3519,7 +3544,7 @@
 </p:sld>
 </file>
 
-<file path=ppt/slides/slide6.xml><?xml version="1.0" encoding="utf-8"?>
+<file path=ppt/slides/slide7.xml><?xml version="1.0" encoding="utf-8"?>
 <p:sld xmlns:a="http://schemas.openxmlformats.org/drawingml/2006/main" xmlns:r="http://schemas.openxmlformats.org/officeDocument/2006/relationships" xmlns:p="http://schemas.openxmlformats.org/presentationml/2006/main">
   <p:cSld>
     <p:spTree>
@@ -3566,6 +3591,241 @@
     <p:extLst>
       <p:ext uri="{BB962C8B-B14F-4D97-AF65-F5344CB8AC3E}">
         <p14:creationId xmlns:p14="http://schemas.microsoft.com/office/powerpoint/2010/main" val="977677130"/>
+      </p:ext>
+    </p:extLst>
+  </p:cSld>
+  <p:clrMapOvr>
+    <a:masterClrMapping/>
+  </p:clrMapOvr>
+</p:sld>
+</file>
+
+<file path=ppt/slides/slide8.xml><?xml version="1.0" encoding="utf-8"?>
+<p:sld xmlns:a="http://schemas.openxmlformats.org/drawingml/2006/main" xmlns:r="http://schemas.openxmlformats.org/officeDocument/2006/relationships" xmlns:p="http://schemas.openxmlformats.org/presentationml/2006/main">
+  <p:cSld>
+    <p:spTree>
+      <p:nvGrpSpPr>
+        <p:cNvPr id="1" name=""/>
+        <p:cNvGrpSpPr/>
+        <p:nvPr/>
+      </p:nvGrpSpPr>
+      <p:grpSpPr>
+        <a:xfrm>
+          <a:off x="0" y="0"/>
+          <a:ext cx="0" cy="0"/>
+          <a:chOff x="0" y="0"/>
+          <a:chExt cx="0" cy="0"/>
+        </a:xfrm>
+      </p:grpSpPr>
+      <p:sp>
+        <p:nvSpPr>
+          <p:cNvPr id="2" name="Title 1"/>
+          <p:cNvSpPr>
+            <a:spLocks noGrp="1"/>
+          </p:cNvSpPr>
+          <p:nvPr>
+            <p:ph type="title"/>
+          </p:nvPr>
+        </p:nvSpPr>
+        <p:spPr/>
+        <p:txBody>
+          <a:bodyPr/>
+          <a:lstStyle/>
+          <a:p>
+            <a:r>
+              <a:rPr lang="en-US" dirty="0" smtClean="0"/>
+              <a:t>Quick Sort</a:t>
+            </a:r>
+            <a:endParaRPr lang="en-US" dirty="0"/>
+          </a:p>
+        </p:txBody>
+      </p:sp>
+      <p:sp>
+        <p:nvSpPr>
+          <p:cNvPr id="3" name="Content Placeholder 2"/>
+          <p:cNvSpPr>
+            <a:spLocks noGrp="1"/>
+          </p:cNvSpPr>
+          <p:nvPr>
+            <p:ph idx="1"/>
+          </p:nvPr>
+        </p:nvSpPr>
+        <p:spPr/>
+        <p:txBody>
+          <a:bodyPr>
+            <a:normAutofit fontScale="92500" lnSpcReduction="20000"/>
+          </a:bodyPr>
+          <a:lstStyle/>
+          <a:p>
+            <a:r>
+              <a:rPr lang="en-US" dirty="0" smtClean="0"/>
+              <a:t>Identify the pivot element in the array</a:t>
+            </a:r>
+          </a:p>
+          <a:p>
+            <a:r>
+              <a:rPr lang="en-US" dirty="0" smtClean="0"/>
+              <a:t> </a:t>
+            </a:r>
+            <a:r>
+              <a:rPr lang="en-US" dirty="0"/>
+              <a:t>Pick first element as a </a:t>
+            </a:r>
+            <a:r>
+              <a:rPr lang="en-US" dirty="0" smtClean="0"/>
+              <a:t>pivot</a:t>
+            </a:r>
+            <a:endParaRPr lang="en-US" dirty="0"/>
+          </a:p>
+          <a:p>
+            <a:r>
+              <a:rPr lang="en-US" dirty="0"/>
+              <a:t>Pick </a:t>
+            </a:r>
+            <a:r>
+              <a:rPr lang="en-US" dirty="0" smtClean="0"/>
+              <a:t>last </a:t>
+            </a:r>
+            <a:r>
+              <a:rPr lang="en-US" dirty="0"/>
+              <a:t>element as a pivot(Our approach</a:t>
+            </a:r>
+            <a:r>
+              <a:rPr lang="en-US" dirty="0" smtClean="0"/>
+              <a:t>) </a:t>
+            </a:r>
+          </a:p>
+          <a:p>
+            <a:r>
+              <a:rPr lang="en-US" dirty="0" smtClean="0"/>
+              <a:t>Pick a random element as pivot</a:t>
+            </a:r>
+          </a:p>
+          <a:p>
+            <a:r>
+              <a:rPr lang="en-US" dirty="0" smtClean="0"/>
+              <a:t>Pick a median as a pivot</a:t>
+            </a:r>
+          </a:p>
+          <a:p>
+            <a:r>
+              <a:rPr lang="en-US" dirty="0" smtClean="0"/>
+              <a:t>Put everything that’s smaller than the  pivot into a ‘left’ array and everything  that’s greater that the pivot  into a ‘right’ array</a:t>
+            </a:r>
+          </a:p>
+          <a:p>
+            <a:r>
+              <a:rPr lang="en-US" dirty="0" smtClean="0"/>
+              <a:t>Repeat the process for the individual ‘left’ and ‘right’ arrays of the length 1 which is sorted by definition</a:t>
+            </a:r>
+          </a:p>
+          <a:p>
+            <a:r>
+              <a:rPr lang="en-US" dirty="0" smtClean="0"/>
+              <a:t>Repeatedly concatenate  the left array, pivot  and right array  till one sorted array remains.</a:t>
+            </a:r>
+          </a:p>
+          <a:p>
+            <a:endParaRPr lang="en-US" dirty="0"/>
+          </a:p>
+        </p:txBody>
+      </p:sp>
+    </p:spTree>
+    <p:extLst>
+      <p:ext uri="{BB962C8B-B14F-4D97-AF65-F5344CB8AC3E}">
+        <p14:creationId xmlns:p14="http://schemas.microsoft.com/office/powerpoint/2010/main" val="137292422"/>
+      </p:ext>
+    </p:extLst>
+  </p:cSld>
+  <p:clrMapOvr>
+    <a:masterClrMapping/>
+  </p:clrMapOvr>
+</p:sld>
+</file>
+
+<file path=ppt/slides/slide9.xml><?xml version="1.0" encoding="utf-8"?>
+<p:sld xmlns:a="http://schemas.openxmlformats.org/drawingml/2006/main" xmlns:r="http://schemas.openxmlformats.org/officeDocument/2006/relationships" xmlns:p="http://schemas.openxmlformats.org/presentationml/2006/main">
+  <p:cSld>
+    <p:spTree>
+      <p:nvGrpSpPr>
+        <p:cNvPr id="1" name=""/>
+        <p:cNvGrpSpPr/>
+        <p:nvPr/>
+      </p:nvGrpSpPr>
+      <p:grpSpPr>
+        <a:xfrm>
+          <a:off x="0" y="0"/>
+          <a:ext cx="0" cy="0"/>
+          <a:chOff x="0" y="0"/>
+          <a:chExt cx="0" cy="0"/>
+        </a:xfrm>
+      </p:grpSpPr>
+      <p:sp>
+        <p:nvSpPr>
+          <p:cNvPr id="2" name="Title 1"/>
+          <p:cNvSpPr>
+            <a:spLocks noGrp="1"/>
+          </p:cNvSpPr>
+          <p:nvPr>
+            <p:ph type="title"/>
+          </p:nvPr>
+        </p:nvSpPr>
+        <p:spPr/>
+        <p:txBody>
+          <a:bodyPr/>
+          <a:lstStyle/>
+          <a:p>
+            <a:endParaRPr lang="en-US"/>
+          </a:p>
+        </p:txBody>
+      </p:sp>
+      <p:sp>
+        <p:nvSpPr>
+          <p:cNvPr id="3" name="Content Placeholder 2"/>
+          <p:cNvSpPr>
+            <a:spLocks noGrp="1"/>
+          </p:cNvSpPr>
+          <p:nvPr>
+            <p:ph idx="1"/>
+          </p:nvPr>
+        </p:nvSpPr>
+        <p:spPr/>
+        <p:txBody>
+          <a:bodyPr/>
+          <a:lstStyle/>
+          <a:p>
+            <a:endParaRPr lang="en-US"/>
+          </a:p>
+        </p:txBody>
+      </p:sp>
+      <p:pic>
+        <p:nvPicPr>
+          <p:cNvPr id="4" name="Picture 3"/>
+          <p:cNvPicPr>
+            <a:picLocks noChangeAspect="1"/>
+          </p:cNvPicPr>
+          <p:nvPr/>
+        </p:nvPicPr>
+        <p:blipFill>
+          <a:blip r:embed="rId2"/>
+          <a:stretch>
+            <a:fillRect/>
+          </a:stretch>
+        </p:blipFill>
+        <p:spPr>
+          <a:xfrm>
+            <a:off x="1093163" y="886691"/>
+            <a:ext cx="10005674" cy="5290272"/>
+          </a:xfrm>
+          <a:prstGeom prst="rect">
+            <a:avLst/>
+          </a:prstGeom>
+        </p:spPr>
+      </p:pic>
+    </p:spTree>
+    <p:extLst>
+      <p:ext uri="{BB962C8B-B14F-4D97-AF65-F5344CB8AC3E}">
+        <p14:creationId xmlns:p14="http://schemas.microsoft.com/office/powerpoint/2010/main" val="933662503"/>
       </p:ext>
     </p:extLst>
   </p:cSld>

--- a/sorting.pptx
+++ b/sorting.pptx
@@ -14,6 +14,8 @@
     <p:sldId id="261" r:id="rId8"/>
     <p:sldId id="262" r:id="rId9"/>
     <p:sldId id="264" r:id="rId10"/>
+    <p:sldId id="265" r:id="rId11"/>
+    <p:sldId id="266" r:id="rId12"/>
   </p:sldIdLst>
   <p:sldSz cx="12192000" cy="6858000"/>
   <p:notesSz cx="6858000" cy="9144000"/>
@@ -251,7 +253,7 @@
           <a:p>
             <a:fld id="{0DCDC746-7A36-4DA8-8BC5-EE42A83F027E}" type="datetimeFigureOut">
               <a:rPr lang="en-US" smtClean="0"/>
-              <a:t>4/5/2023</a:t>
+              <a:t>4/13/2023</a:t>
             </a:fld>
             <a:endParaRPr lang="en-US"/>
           </a:p>
@@ -421,7 +423,7 @@
           <a:p>
             <a:fld id="{0DCDC746-7A36-4DA8-8BC5-EE42A83F027E}" type="datetimeFigureOut">
               <a:rPr lang="en-US" smtClean="0"/>
-              <a:t>4/5/2023</a:t>
+              <a:t>4/13/2023</a:t>
             </a:fld>
             <a:endParaRPr lang="en-US"/>
           </a:p>
@@ -601,7 +603,7 @@
           <a:p>
             <a:fld id="{0DCDC746-7A36-4DA8-8BC5-EE42A83F027E}" type="datetimeFigureOut">
               <a:rPr lang="en-US" smtClean="0"/>
-              <a:t>4/5/2023</a:t>
+              <a:t>4/13/2023</a:t>
             </a:fld>
             <a:endParaRPr lang="en-US"/>
           </a:p>
@@ -771,7 +773,7 @@
           <a:p>
             <a:fld id="{0DCDC746-7A36-4DA8-8BC5-EE42A83F027E}" type="datetimeFigureOut">
               <a:rPr lang="en-US" smtClean="0"/>
-              <a:t>4/5/2023</a:t>
+              <a:t>4/13/2023</a:t>
             </a:fld>
             <a:endParaRPr lang="en-US"/>
           </a:p>
@@ -1017,7 +1019,7 @@
           <a:p>
             <a:fld id="{0DCDC746-7A36-4DA8-8BC5-EE42A83F027E}" type="datetimeFigureOut">
               <a:rPr lang="en-US" smtClean="0"/>
-              <a:t>4/5/2023</a:t>
+              <a:t>4/13/2023</a:t>
             </a:fld>
             <a:endParaRPr lang="en-US"/>
           </a:p>
@@ -1249,7 +1251,7 @@
           <a:p>
             <a:fld id="{0DCDC746-7A36-4DA8-8BC5-EE42A83F027E}" type="datetimeFigureOut">
               <a:rPr lang="en-US" smtClean="0"/>
-              <a:t>4/5/2023</a:t>
+              <a:t>4/13/2023</a:t>
             </a:fld>
             <a:endParaRPr lang="en-US"/>
           </a:p>
@@ -1616,7 +1618,7 @@
           <a:p>
             <a:fld id="{0DCDC746-7A36-4DA8-8BC5-EE42A83F027E}" type="datetimeFigureOut">
               <a:rPr lang="en-US" smtClean="0"/>
-              <a:t>4/5/2023</a:t>
+              <a:t>4/13/2023</a:t>
             </a:fld>
             <a:endParaRPr lang="en-US"/>
           </a:p>
@@ -1734,7 +1736,7 @@
           <a:p>
             <a:fld id="{0DCDC746-7A36-4DA8-8BC5-EE42A83F027E}" type="datetimeFigureOut">
               <a:rPr lang="en-US" smtClean="0"/>
-              <a:t>4/5/2023</a:t>
+              <a:t>4/13/2023</a:t>
             </a:fld>
             <a:endParaRPr lang="en-US"/>
           </a:p>
@@ -1829,7 +1831,7 @@
           <a:p>
             <a:fld id="{0DCDC746-7A36-4DA8-8BC5-EE42A83F027E}" type="datetimeFigureOut">
               <a:rPr lang="en-US" smtClean="0"/>
-              <a:t>4/5/2023</a:t>
+              <a:t>4/13/2023</a:t>
             </a:fld>
             <a:endParaRPr lang="en-US"/>
           </a:p>
@@ -2106,7 +2108,7 @@
           <a:p>
             <a:fld id="{0DCDC746-7A36-4DA8-8BC5-EE42A83F027E}" type="datetimeFigureOut">
               <a:rPr lang="en-US" smtClean="0"/>
-              <a:t>4/5/2023</a:t>
+              <a:t>4/13/2023</a:t>
             </a:fld>
             <a:endParaRPr lang="en-US"/>
           </a:p>
@@ -2359,7 +2361,7 @@
           <a:p>
             <a:fld id="{0DCDC746-7A36-4DA8-8BC5-EE42A83F027E}" type="datetimeFigureOut">
               <a:rPr lang="en-US" smtClean="0"/>
-              <a:t>4/5/2023</a:t>
+              <a:t>4/13/2023</a:t>
             </a:fld>
             <a:endParaRPr lang="en-US"/>
           </a:p>
@@ -2572,7 +2574,7 @@
           <a:p>
             <a:fld id="{0DCDC746-7A36-4DA8-8BC5-EE42A83F027E}" type="datetimeFigureOut">
               <a:rPr lang="en-US" smtClean="0"/>
-              <a:t>4/5/2023</a:t>
+              <a:t>4/13/2023</a:t>
             </a:fld>
             <a:endParaRPr lang="en-US"/>
           </a:p>
@@ -3032,6 +3034,199 @@
 </p:sld>
 </file>
 
+<file path=ppt/slides/slide10.xml><?xml version="1.0" encoding="utf-8"?>
+<p:sld xmlns:a="http://schemas.openxmlformats.org/drawingml/2006/main" xmlns:r="http://schemas.openxmlformats.org/officeDocument/2006/relationships" xmlns:p="http://schemas.openxmlformats.org/presentationml/2006/main">
+  <p:cSld>
+    <p:spTree>
+      <p:nvGrpSpPr>
+        <p:cNvPr id="1" name=""/>
+        <p:cNvGrpSpPr/>
+        <p:nvPr/>
+      </p:nvGrpSpPr>
+      <p:grpSpPr>
+        <a:xfrm>
+          <a:off x="0" y="0"/>
+          <a:ext cx="0" cy="0"/>
+          <a:chOff x="0" y="0"/>
+          <a:chExt cx="0" cy="0"/>
+        </a:xfrm>
+      </p:grpSpPr>
+      <p:sp>
+        <p:nvSpPr>
+          <p:cNvPr id="2" name="Title 1"/>
+          <p:cNvSpPr>
+            <a:spLocks noGrp="1"/>
+          </p:cNvSpPr>
+          <p:nvPr>
+            <p:ph type="title"/>
+          </p:nvPr>
+        </p:nvSpPr>
+        <p:spPr/>
+        <p:txBody>
+          <a:bodyPr/>
+          <a:lstStyle/>
+          <a:p>
+            <a:r>
+              <a:rPr lang="en-US" dirty="0" smtClean="0"/>
+              <a:t>Merge Sort</a:t>
+            </a:r>
+            <a:endParaRPr lang="en-US" dirty="0"/>
+          </a:p>
+        </p:txBody>
+      </p:sp>
+      <p:pic>
+        <p:nvPicPr>
+          <p:cNvPr id="5" name="Picture 4"/>
+          <p:cNvPicPr>
+            <a:picLocks noChangeAspect="1"/>
+          </p:cNvPicPr>
+          <p:nvPr/>
+        </p:nvPicPr>
+        <p:blipFill>
+          <a:blip r:embed="rId2"/>
+          <a:stretch>
+            <a:fillRect/>
+          </a:stretch>
+        </p:blipFill>
+        <p:spPr>
+          <a:xfrm>
+            <a:off x="838200" y="1372898"/>
+            <a:ext cx="9552709" cy="1914525"/>
+          </a:xfrm>
+          <a:prstGeom prst="rect">
+            <a:avLst/>
+          </a:prstGeom>
+        </p:spPr>
+      </p:pic>
+      <p:pic>
+        <p:nvPicPr>
+          <p:cNvPr id="6" name="Picture 5"/>
+          <p:cNvPicPr>
+            <a:picLocks noChangeAspect="1"/>
+          </p:cNvPicPr>
+          <p:nvPr/>
+        </p:nvPicPr>
+        <p:blipFill>
+          <a:blip r:embed="rId3"/>
+          <a:stretch>
+            <a:fillRect/>
+          </a:stretch>
+        </p:blipFill>
+        <p:spPr>
+          <a:xfrm>
+            <a:off x="1136074" y="3131127"/>
+            <a:ext cx="10349344" cy="3266209"/>
+          </a:xfrm>
+          <a:prstGeom prst="rect">
+            <a:avLst/>
+          </a:prstGeom>
+        </p:spPr>
+      </p:pic>
+    </p:spTree>
+    <p:extLst>
+      <p:ext uri="{BB962C8B-B14F-4D97-AF65-F5344CB8AC3E}">
+        <p14:creationId xmlns:p14="http://schemas.microsoft.com/office/powerpoint/2010/main" val="936088748"/>
+      </p:ext>
+    </p:extLst>
+  </p:cSld>
+  <p:clrMapOvr>
+    <a:masterClrMapping/>
+  </p:clrMapOvr>
+</p:sld>
+</file>
+
+<file path=ppt/slides/slide11.xml><?xml version="1.0" encoding="utf-8"?>
+<p:sld xmlns:a="http://schemas.openxmlformats.org/drawingml/2006/main" xmlns:r="http://schemas.openxmlformats.org/officeDocument/2006/relationships" xmlns:p="http://schemas.openxmlformats.org/presentationml/2006/main">
+  <p:cSld>
+    <p:spTree>
+      <p:nvGrpSpPr>
+        <p:cNvPr id="1" name=""/>
+        <p:cNvGrpSpPr/>
+        <p:nvPr/>
+      </p:nvGrpSpPr>
+      <p:grpSpPr>
+        <a:xfrm>
+          <a:off x="0" y="0"/>
+          <a:ext cx="0" cy="0"/>
+          <a:chOff x="0" y="0"/>
+          <a:chExt cx="0" cy="0"/>
+        </a:xfrm>
+      </p:grpSpPr>
+      <p:sp>
+        <p:nvSpPr>
+          <p:cNvPr id="2" name="Title 1"/>
+          <p:cNvSpPr>
+            <a:spLocks noGrp="1"/>
+          </p:cNvSpPr>
+          <p:nvPr>
+            <p:ph type="title"/>
+          </p:nvPr>
+        </p:nvSpPr>
+        <p:spPr/>
+        <p:txBody>
+          <a:bodyPr/>
+          <a:lstStyle/>
+          <a:p>
+            <a:endParaRPr lang="en-US"/>
+          </a:p>
+        </p:txBody>
+      </p:sp>
+      <p:sp>
+        <p:nvSpPr>
+          <p:cNvPr id="3" name="Content Placeholder 2"/>
+          <p:cNvSpPr>
+            <a:spLocks noGrp="1"/>
+          </p:cNvSpPr>
+          <p:nvPr>
+            <p:ph idx="1"/>
+          </p:nvPr>
+        </p:nvSpPr>
+        <p:spPr/>
+        <p:txBody>
+          <a:bodyPr/>
+          <a:lstStyle/>
+          <a:p>
+            <a:endParaRPr lang="en-US"/>
+          </a:p>
+        </p:txBody>
+      </p:sp>
+      <p:pic>
+        <p:nvPicPr>
+          <p:cNvPr id="4" name="Picture 3"/>
+          <p:cNvPicPr>
+            <a:picLocks noChangeAspect="1"/>
+          </p:cNvPicPr>
+          <p:nvPr/>
+        </p:nvPicPr>
+        <p:blipFill>
+          <a:blip r:embed="rId2"/>
+          <a:stretch>
+            <a:fillRect/>
+          </a:stretch>
+        </p:blipFill>
+        <p:spPr>
+          <a:xfrm>
+            <a:off x="687885" y="678873"/>
+            <a:ext cx="10520442" cy="5498090"/>
+          </a:xfrm>
+          <a:prstGeom prst="rect">
+            <a:avLst/>
+          </a:prstGeom>
+        </p:spPr>
+      </p:pic>
+    </p:spTree>
+    <p:extLst>
+      <p:ext uri="{BB962C8B-B14F-4D97-AF65-F5344CB8AC3E}">
+        <p14:creationId xmlns:p14="http://schemas.microsoft.com/office/powerpoint/2010/main" val="213335551"/>
+      </p:ext>
+    </p:extLst>
+  </p:cSld>
+  <p:clrMapOvr>
+    <a:masterClrMapping/>
+  </p:clrMapOvr>
+</p:sld>
+</file>
+
 <file path=ppt/slides/slide2.xml><?xml version="1.0" encoding="utf-8"?>
 <p:sld xmlns:a="http://schemas.openxmlformats.org/drawingml/2006/main" xmlns:r="http://schemas.openxmlformats.org/officeDocument/2006/relationships" xmlns:p="http://schemas.openxmlformats.org/presentationml/2006/main">
   <p:cSld>
@@ -3332,13 +3527,8 @@
           <a:p>
             <a:r>
               <a:rPr lang="en-US" dirty="0" smtClean="0"/>
-              <a:t>Once you step through the whole array with no swaps, the array  is sorted</a:t>
-            </a:r>
-            <a:r>
-              <a:rPr lang="en-US" dirty="0" smtClean="0"/>
-              <a:t>.</a:t>
-            </a:r>
-            <a:endParaRPr lang="en-US" dirty="0" smtClean="0"/>
+              <a:t>Once you step through the whole array with no swaps, the array  is sorted.</a:t>
+            </a:r>
           </a:p>
         </p:txBody>
       </p:sp>
